--- a/Week-1/Day-3/Azure_Data_Factory_Overview.pptx
+++ b/Week-1/Day-3/Azure_Data_Factory_Overview.pptx
@@ -8,15 +8,17 @@
     <p:sldId id="256" r:id="rId2"/>
     <p:sldId id="257" r:id="rId3"/>
     <p:sldId id="258" r:id="rId4"/>
-    <p:sldId id="259" r:id="rId5"/>
-    <p:sldId id="260" r:id="rId6"/>
-    <p:sldId id="261" r:id="rId7"/>
-    <p:sldId id="262" r:id="rId8"/>
-    <p:sldId id="263" r:id="rId9"/>
-    <p:sldId id="264" r:id="rId10"/>
-    <p:sldId id="265" r:id="rId11"/>
-    <p:sldId id="266" r:id="rId12"/>
-    <p:sldId id="267" r:id="rId13"/>
+    <p:sldId id="268" r:id="rId5"/>
+    <p:sldId id="259" r:id="rId6"/>
+    <p:sldId id="260" r:id="rId7"/>
+    <p:sldId id="269" r:id="rId8"/>
+    <p:sldId id="261" r:id="rId9"/>
+    <p:sldId id="262" r:id="rId10"/>
+    <p:sldId id="263" r:id="rId11"/>
+    <p:sldId id="264" r:id="rId12"/>
+    <p:sldId id="265" r:id="rId13"/>
+    <p:sldId id="266" r:id="rId14"/>
+    <p:sldId id="267" r:id="rId15"/>
   </p:sldIdLst>
   <p:sldSz cx="9144000" cy="6858000" type="screen4x3"/>
   <p:notesSz cx="6858000" cy="9144000"/>
@@ -16394,7 +16396,7 @@
           <a:lstStyle/>
           <a:p>
             <a:r>
-              <a:t>Error Handling &amp; Retry Policies</a:t>
+              <a:t>Copy Activity Basics</a:t>
             </a:r>
           </a:p>
         </p:txBody>
@@ -16418,17 +16420,17 @@
           </a:p>
           <a:p>
             <a:r>
-              <a:t>Retry policies for transient failures</a:t>
+              <a:t>Core activity for data movement</a:t>
             </a:r>
           </a:p>
           <a:p>
             <a:r>
-              <a:t>Custom error handling with conditional activities</a:t>
+              <a:t>Supports wide range of sources and sinks</a:t>
             </a:r>
           </a:p>
           <a:p>
             <a:r>
-              <a:t>Alerts and notifications via Azure Monitor</a:t>
+              <a:t>Configurable mappings between source and target</a:t>
             </a:r>
           </a:p>
         </p:txBody>
@@ -16442,6 +16444,210 @@
 </file>
 
 <file path=ppt/slides/slide11.xml><?xml version="1.0" encoding="utf-8"?>
+<p:sld xmlns:a="http://schemas.openxmlformats.org/drawingml/2006/main" xmlns:r="http://schemas.openxmlformats.org/officeDocument/2006/relationships" xmlns:p="http://schemas.openxmlformats.org/presentationml/2006/main">
+  <p:cSld>
+    <p:spTree>
+      <p:nvGrpSpPr>
+        <p:cNvPr id="1" name=""/>
+        <p:cNvGrpSpPr/>
+        <p:nvPr/>
+      </p:nvGrpSpPr>
+      <p:grpSpPr>
+        <a:xfrm>
+          <a:off x="0" y="0"/>
+          <a:ext cx="0" cy="0"/>
+          <a:chOff x="0" y="0"/>
+          <a:chExt cx="0" cy="0"/>
+        </a:xfrm>
+      </p:grpSpPr>
+      <p:sp>
+        <p:nvSpPr>
+          <p:cNvPr id="2" name="Title 1"/>
+          <p:cNvSpPr>
+            <a:spLocks noGrp="1"/>
+          </p:cNvSpPr>
+          <p:nvPr>
+            <p:ph type="title"/>
+          </p:nvPr>
+        </p:nvSpPr>
+        <p:spPr/>
+        <p:txBody>
+          <a:bodyPr/>
+          <a:lstStyle/>
+          <a:p>
+            <a:r>
+              <a:t>Monitoring in ADF</a:t>
+            </a:r>
+          </a:p>
+        </p:txBody>
+      </p:sp>
+      <p:sp>
+        <p:nvSpPr>
+          <p:cNvPr id="3" name="Content Placeholder 2"/>
+          <p:cNvSpPr>
+            <a:spLocks noGrp="1"/>
+          </p:cNvSpPr>
+          <p:nvPr>
+            <p:ph idx="1"/>
+          </p:nvPr>
+        </p:nvSpPr>
+        <p:spPr/>
+        <p:txBody>
+          <a:bodyPr/>
+          <a:lstStyle/>
+          <a:p>
+            <a:endParaRPr/>
+          </a:p>
+          <a:p>
+            <a:r>
+              <a:t>Monitor Hub provides pipeline run history</a:t>
+            </a:r>
+          </a:p>
+          <a:p>
+            <a:r>
+              <a:t>Success, failure, and duration tracking</a:t>
+            </a:r>
+          </a:p>
+          <a:p>
+            <a:r>
+              <a:t>Detailed activity-level logs</a:t>
+            </a:r>
+          </a:p>
+        </p:txBody>
+      </p:sp>
+    </p:spTree>
+  </p:cSld>
+  <p:clrMapOvr>
+    <a:masterClrMapping/>
+  </p:clrMapOvr>
+</p:sld>
+</file>
+
+<file path=ppt/slides/slide12.xml><?xml version="1.0" encoding="utf-8"?>
+<p:sld xmlns:a="http://schemas.openxmlformats.org/drawingml/2006/main" xmlns:r="http://schemas.openxmlformats.org/officeDocument/2006/relationships" xmlns:p="http://schemas.openxmlformats.org/presentationml/2006/main">
+  <p:cSld>
+    <p:spTree>
+      <p:nvGrpSpPr>
+        <p:cNvPr id="1" name=""/>
+        <p:cNvGrpSpPr/>
+        <p:nvPr/>
+      </p:nvGrpSpPr>
+      <p:grpSpPr>
+        <a:xfrm>
+          <a:off x="0" y="0"/>
+          <a:ext cx="0" cy="0"/>
+          <a:chOff x="0" y="0"/>
+          <a:chExt cx="0" cy="0"/>
+        </a:xfrm>
+      </p:grpSpPr>
+      <p:sp>
+        <p:nvSpPr>
+          <p:cNvPr id="2" name="Title 1"/>
+          <p:cNvSpPr>
+            <a:spLocks noGrp="1"/>
+          </p:cNvSpPr>
+          <p:nvPr>
+            <p:ph type="title"/>
+          </p:nvPr>
+        </p:nvSpPr>
+        <p:spPr/>
+        <p:txBody>
+          <a:bodyPr/>
+          <a:lstStyle/>
+          <a:p>
+            <a:r>
+              <a:t>Error Handling &amp; Retry Policies</a:t>
+            </a:r>
+          </a:p>
+        </p:txBody>
+      </p:sp>
+      <p:sp>
+        <p:nvSpPr>
+          <p:cNvPr id="3" name="Content Placeholder 2"/>
+          <p:cNvSpPr>
+            <a:spLocks noGrp="1"/>
+          </p:cNvSpPr>
+          <p:nvPr>
+            <p:ph idx="1"/>
+          </p:nvPr>
+        </p:nvSpPr>
+        <p:spPr/>
+        <p:txBody>
+          <a:bodyPr>
+            <a:normAutofit/>
+          </a:bodyPr>
+          <a:lstStyle/>
+          <a:p>
+            <a:endParaRPr dirty="0"/>
+          </a:p>
+          <a:p>
+            <a:r>
+              <a:rPr dirty="0"/>
+              <a:t>Retry policies for transient failures</a:t>
+            </a:r>
+            <a:endParaRPr lang="en-US" dirty="0"/>
+          </a:p>
+          <a:p>
+            <a:pPr lvl="1"/>
+            <a:r>
+              <a:rPr lang="en-IN" dirty="0"/>
+              <a:t>Copy activity retries 3 times (30 sec interval).</a:t>
+            </a:r>
+            <a:endParaRPr dirty="0"/>
+          </a:p>
+          <a:p>
+            <a:r>
+              <a:rPr dirty="0"/>
+              <a:t>Custom error handling with conditional activities</a:t>
+            </a:r>
+            <a:endParaRPr lang="en-US" dirty="0"/>
+          </a:p>
+          <a:p>
+            <a:pPr lvl="1"/>
+            <a:r>
+              <a:rPr lang="en-IN" dirty="0"/>
+              <a:t>If Copy still fails, run "Log Failure" activity that inserts a row into SQL Error Log table.</a:t>
+            </a:r>
+            <a:endParaRPr dirty="0"/>
+          </a:p>
+          <a:p>
+            <a:r>
+              <a:rPr dirty="0"/>
+              <a:t>Alerts and notifications via Azure Monitor</a:t>
+            </a:r>
+            <a:endParaRPr lang="en-US" dirty="0"/>
+          </a:p>
+          <a:p>
+            <a:pPr lvl="1"/>
+            <a:r>
+              <a:rPr lang="en-IN" dirty="0"/>
+              <a:t>If any pipeline fails, send Teams + Email notification to support team.</a:t>
+            </a:r>
+            <a:endParaRPr lang="en-US" dirty="0"/>
+          </a:p>
+          <a:p>
+            <a:r>
+              <a:rPr lang="en-IN" dirty="0"/>
+              <a:t>Pipeline runs every hour, copies data from SQL → ADLS.</a:t>
+            </a:r>
+          </a:p>
+          <a:p>
+            <a:pPr marL="0" indent="0">
+              <a:buNone/>
+            </a:pPr>
+            <a:endParaRPr lang="en-IN" dirty="0"/>
+          </a:p>
+        </p:txBody>
+      </p:sp>
+    </p:spTree>
+  </p:cSld>
+  <p:clrMapOvr>
+    <a:masterClrMapping/>
+  </p:clrMapOvr>
+</p:sld>
+</file>
+
+<file path=ppt/slides/slide13.xml><?xml version="1.0" encoding="utf-8"?>
 <p:sld xmlns:a="http://schemas.openxmlformats.org/drawingml/2006/main" xmlns:r="http://schemas.openxmlformats.org/officeDocument/2006/relationships" xmlns:p="http://schemas.openxmlformats.org/presentationml/2006/main">
   <p:cSld>
     <p:spTree>
@@ -16521,7 +16727,7 @@
 </p:sld>
 </file>
 
-<file path=ppt/slides/slide12.xml><?xml version="1.0" encoding="utf-8"?>
+<file path=ppt/slides/slide14.xml><?xml version="1.0" encoding="utf-8"?>
 <p:sld xmlns:a="http://schemas.openxmlformats.org/drawingml/2006/main" xmlns:r="http://schemas.openxmlformats.org/officeDocument/2006/relationships" xmlns:p="http://schemas.openxmlformats.org/presentationml/2006/main">
   <p:cSld>
     <p:spTree>
@@ -16780,6 +16986,802 @@
       </p:grpSpPr>
       <p:sp>
         <p:nvSpPr>
+          <p:cNvPr id="2" name="Title 1">
+            <a:extLst>
+              <a:ext uri="{FF2B5EF4-FFF2-40B4-BE49-F238E27FC236}">
+                <a16:creationId xmlns:a16="http://schemas.microsoft.com/office/drawing/2014/main" id="{ACB18DBB-63BD-2C1E-D936-2CDB7A9784A1}"/>
+              </a:ext>
+            </a:extLst>
+          </p:cNvPr>
+          <p:cNvSpPr>
+            <a:spLocks noGrp="1"/>
+          </p:cNvSpPr>
+          <p:nvPr>
+            <p:ph type="title"/>
+          </p:nvPr>
+        </p:nvSpPr>
+        <p:spPr/>
+        <p:txBody>
+          <a:bodyPr/>
+          <a:lstStyle/>
+          <a:p>
+            <a:r>
+              <a:rPr lang="en-US" dirty="0"/>
+              <a:t>ETL vs ELT</a:t>
+            </a:r>
+            <a:endParaRPr lang="en-IN" dirty="0"/>
+          </a:p>
+        </p:txBody>
+      </p:sp>
+      <p:graphicFrame>
+        <p:nvGraphicFramePr>
+          <p:cNvPr id="5" name="Content Placeholder 4">
+            <a:extLst>
+              <a:ext uri="{FF2B5EF4-FFF2-40B4-BE49-F238E27FC236}">
+                <a16:creationId xmlns:a16="http://schemas.microsoft.com/office/drawing/2014/main" id="{CB0C6E08-AE06-FFEA-D858-B6B1E948FE90}"/>
+              </a:ext>
+            </a:extLst>
+          </p:cNvPr>
+          <p:cNvGraphicFramePr>
+            <a:graphicFrameLocks noGrp="1"/>
+          </p:cNvGraphicFramePr>
+          <p:nvPr>
+            <p:ph idx="1"/>
+            <p:extLst>
+              <p:ext uri="{D42A27DB-BD31-4B8C-83A1-F6EECF244321}">
+                <p14:modId xmlns:p14="http://schemas.microsoft.com/office/powerpoint/2010/main" val="2406483270"/>
+              </p:ext>
+            </p:extLst>
+          </p:nvPr>
+        </p:nvGraphicFramePr>
+        <p:xfrm>
+          <a:off x="768350" y="2186609"/>
+          <a:ext cx="7289799" cy="4086173"/>
+        </p:xfrm>
+        <a:graphic>
+          <a:graphicData uri="http://schemas.openxmlformats.org/drawingml/2006/table">
+            <a:tbl>
+              <a:tblPr firstRow="1" firstCol="1" bandRow="1">
+                <a:tableStyleId>{5C22544A-7EE6-4342-B048-85BDC9FD1C3A}</a:tableStyleId>
+              </a:tblPr>
+              <a:tblGrid>
+                <a:gridCol w="2429933">
+                  <a:extLst>
+                    <a:ext uri="{9D8B030D-6E8A-4147-A177-3AD203B41FA5}">
+                      <a16:colId xmlns:a16="http://schemas.microsoft.com/office/drawing/2014/main" val="2594927692"/>
+                    </a:ext>
+                  </a:extLst>
+                </a:gridCol>
+                <a:gridCol w="2429933">
+                  <a:extLst>
+                    <a:ext uri="{9D8B030D-6E8A-4147-A177-3AD203B41FA5}">
+                      <a16:colId xmlns:a16="http://schemas.microsoft.com/office/drawing/2014/main" val="1650578231"/>
+                    </a:ext>
+                  </a:extLst>
+                </a:gridCol>
+                <a:gridCol w="2429933">
+                  <a:extLst>
+                    <a:ext uri="{9D8B030D-6E8A-4147-A177-3AD203B41FA5}">
+                      <a16:colId xmlns:a16="http://schemas.microsoft.com/office/drawing/2014/main" val="3669807104"/>
+                    </a:ext>
+                  </a:extLst>
+                </a:gridCol>
+              </a:tblGrid>
+              <a:tr h="583739">
+                <a:tc>
+                  <a:txBody>
+                    <a:bodyPr/>
+                    <a:lstStyle/>
+                    <a:p>
+                      <a:pPr>
+                        <a:lnSpc>
+                          <a:spcPct val="115000"/>
+                        </a:lnSpc>
+                        <a:spcAft>
+                          <a:spcPts val="1000"/>
+                        </a:spcAft>
+                        <a:buNone/>
+                      </a:pPr>
+                      <a:r>
+                        <a:rPr lang="en-IN" sz="1100">
+                          <a:effectLst/>
+                        </a:rPr>
+                        <a:t>Feature</a:t>
+                      </a:r>
+                      <a:endParaRPr lang="en-IN" sz="1100">
+                        <a:effectLst/>
+                        <a:latin typeface="Calibri" panose="020F0502020204030204" pitchFamily="34" charset="0"/>
+                        <a:ea typeface="Calibri" panose="020F0502020204030204" pitchFamily="34" charset="0"/>
+                        <a:cs typeface="Times New Roman" panose="02020603050405020304" pitchFamily="18" charset="0"/>
+                      </a:endParaRPr>
+                    </a:p>
+                  </a:txBody>
+                  <a:tcPr marL="9525" marR="9525" marT="9525" marB="9525" anchor="ctr"/>
+                </a:tc>
+                <a:tc>
+                  <a:txBody>
+                    <a:bodyPr/>
+                    <a:lstStyle/>
+                    <a:p>
+                      <a:pPr>
+                        <a:lnSpc>
+                          <a:spcPct val="115000"/>
+                        </a:lnSpc>
+                        <a:spcAft>
+                          <a:spcPts val="1000"/>
+                        </a:spcAft>
+                        <a:buNone/>
+                      </a:pPr>
+                      <a:r>
+                        <a:rPr lang="en-IN" sz="1100">
+                          <a:effectLst/>
+                        </a:rPr>
+                        <a:t>ETL</a:t>
+                      </a:r>
+                      <a:endParaRPr lang="en-IN" sz="1100">
+                        <a:effectLst/>
+                        <a:latin typeface="Calibri" panose="020F0502020204030204" pitchFamily="34" charset="0"/>
+                        <a:ea typeface="Calibri" panose="020F0502020204030204" pitchFamily="34" charset="0"/>
+                        <a:cs typeface="Times New Roman" panose="02020603050405020304" pitchFamily="18" charset="0"/>
+                      </a:endParaRPr>
+                    </a:p>
+                  </a:txBody>
+                  <a:tcPr marL="9525" marR="9525" marT="9525" marB="9525" anchor="ctr"/>
+                </a:tc>
+                <a:tc>
+                  <a:txBody>
+                    <a:bodyPr/>
+                    <a:lstStyle/>
+                    <a:p>
+                      <a:pPr>
+                        <a:lnSpc>
+                          <a:spcPct val="115000"/>
+                        </a:lnSpc>
+                        <a:spcAft>
+                          <a:spcPts val="1000"/>
+                        </a:spcAft>
+                        <a:buNone/>
+                      </a:pPr>
+                      <a:r>
+                        <a:rPr lang="en-IN" sz="1100">
+                          <a:effectLst/>
+                        </a:rPr>
+                        <a:t>ELT</a:t>
+                      </a:r>
+                      <a:endParaRPr lang="en-IN" sz="1100">
+                        <a:effectLst/>
+                        <a:latin typeface="Calibri" panose="020F0502020204030204" pitchFamily="34" charset="0"/>
+                        <a:ea typeface="Calibri" panose="020F0502020204030204" pitchFamily="34" charset="0"/>
+                        <a:cs typeface="Times New Roman" panose="02020603050405020304" pitchFamily="18" charset="0"/>
+                      </a:endParaRPr>
+                    </a:p>
+                  </a:txBody>
+                  <a:tcPr marL="9525" marR="9525" marT="9525" marB="9525" anchor="ctr"/>
+                </a:tc>
+                <a:extLst>
+                  <a:ext uri="{0D108BD9-81ED-4DB2-BD59-A6C34878D82A}">
+                    <a16:rowId xmlns:a16="http://schemas.microsoft.com/office/drawing/2014/main" val="1360585986"/>
+                  </a:ext>
+                </a:extLst>
+              </a:tr>
+              <a:tr h="583739">
+                <a:tc>
+                  <a:txBody>
+                    <a:bodyPr/>
+                    <a:lstStyle/>
+                    <a:p>
+                      <a:pPr>
+                        <a:lnSpc>
+                          <a:spcPct val="115000"/>
+                        </a:lnSpc>
+                        <a:spcAft>
+                          <a:spcPts val="1000"/>
+                        </a:spcAft>
+                        <a:buNone/>
+                      </a:pPr>
+                      <a:r>
+                        <a:rPr lang="en-IN" sz="1100">
+                          <a:effectLst/>
+                        </a:rPr>
+                        <a:t>Transform Location</a:t>
+                      </a:r>
+                      <a:endParaRPr lang="en-IN" sz="1100">
+                        <a:effectLst/>
+                        <a:latin typeface="Calibri" panose="020F0502020204030204" pitchFamily="34" charset="0"/>
+                        <a:ea typeface="Calibri" panose="020F0502020204030204" pitchFamily="34" charset="0"/>
+                        <a:cs typeface="Times New Roman" panose="02020603050405020304" pitchFamily="18" charset="0"/>
+                      </a:endParaRPr>
+                    </a:p>
+                  </a:txBody>
+                  <a:tcPr marL="9525" marR="9525" marT="9525" marB="9525" anchor="ctr"/>
+                </a:tc>
+                <a:tc>
+                  <a:txBody>
+                    <a:bodyPr/>
+                    <a:lstStyle/>
+                    <a:p>
+                      <a:pPr>
+                        <a:lnSpc>
+                          <a:spcPct val="115000"/>
+                        </a:lnSpc>
+                        <a:spcAft>
+                          <a:spcPts val="1000"/>
+                        </a:spcAft>
+                        <a:buNone/>
+                      </a:pPr>
+                      <a:r>
+                        <a:rPr lang="en-IN" sz="1100">
+                          <a:effectLst/>
+                        </a:rPr>
+                        <a:t>Outside warehouse (ETL tool)</a:t>
+                      </a:r>
+                      <a:endParaRPr lang="en-IN" sz="1100">
+                        <a:effectLst/>
+                        <a:latin typeface="Calibri" panose="020F0502020204030204" pitchFamily="34" charset="0"/>
+                        <a:ea typeface="Calibri" panose="020F0502020204030204" pitchFamily="34" charset="0"/>
+                        <a:cs typeface="Times New Roman" panose="02020603050405020304" pitchFamily="18" charset="0"/>
+                      </a:endParaRPr>
+                    </a:p>
+                  </a:txBody>
+                  <a:tcPr marL="9525" marR="9525" marT="9525" marB="9525" anchor="ctr"/>
+                </a:tc>
+                <a:tc>
+                  <a:txBody>
+                    <a:bodyPr/>
+                    <a:lstStyle/>
+                    <a:p>
+                      <a:pPr>
+                        <a:lnSpc>
+                          <a:spcPct val="115000"/>
+                        </a:lnSpc>
+                        <a:spcAft>
+                          <a:spcPts val="1000"/>
+                        </a:spcAft>
+                        <a:buNone/>
+                      </a:pPr>
+                      <a:r>
+                        <a:rPr lang="en-IN" sz="1100">
+                          <a:effectLst/>
+                        </a:rPr>
+                        <a:t>Inside warehouse/data lake</a:t>
+                      </a:r>
+                      <a:endParaRPr lang="en-IN" sz="1100">
+                        <a:effectLst/>
+                        <a:latin typeface="Calibri" panose="020F0502020204030204" pitchFamily="34" charset="0"/>
+                        <a:ea typeface="Calibri" panose="020F0502020204030204" pitchFamily="34" charset="0"/>
+                        <a:cs typeface="Times New Roman" panose="02020603050405020304" pitchFamily="18" charset="0"/>
+                      </a:endParaRPr>
+                    </a:p>
+                  </a:txBody>
+                  <a:tcPr marL="9525" marR="9525" marT="9525" marB="9525" anchor="ctr"/>
+                </a:tc>
+                <a:extLst>
+                  <a:ext uri="{0D108BD9-81ED-4DB2-BD59-A6C34878D82A}">
+                    <a16:rowId xmlns:a16="http://schemas.microsoft.com/office/drawing/2014/main" val="1864182758"/>
+                  </a:ext>
+                </a:extLst>
+              </a:tr>
+              <a:tr h="583739">
+                <a:tc>
+                  <a:txBody>
+                    <a:bodyPr/>
+                    <a:lstStyle/>
+                    <a:p>
+                      <a:pPr>
+                        <a:lnSpc>
+                          <a:spcPct val="115000"/>
+                        </a:lnSpc>
+                        <a:spcAft>
+                          <a:spcPts val="1000"/>
+                        </a:spcAft>
+                        <a:buNone/>
+                      </a:pPr>
+                      <a:r>
+                        <a:rPr lang="en-IN" sz="1100">
+                          <a:effectLst/>
+                        </a:rPr>
+                        <a:t>Latency</a:t>
+                      </a:r>
+                      <a:endParaRPr lang="en-IN" sz="1100">
+                        <a:effectLst/>
+                        <a:latin typeface="Calibri" panose="020F0502020204030204" pitchFamily="34" charset="0"/>
+                        <a:ea typeface="Calibri" panose="020F0502020204030204" pitchFamily="34" charset="0"/>
+                        <a:cs typeface="Times New Roman" panose="02020603050405020304" pitchFamily="18" charset="0"/>
+                      </a:endParaRPr>
+                    </a:p>
+                  </a:txBody>
+                  <a:tcPr marL="9525" marR="9525" marT="9525" marB="9525" anchor="ctr"/>
+                </a:tc>
+                <a:tc>
+                  <a:txBody>
+                    <a:bodyPr/>
+                    <a:lstStyle/>
+                    <a:p>
+                      <a:pPr>
+                        <a:lnSpc>
+                          <a:spcPct val="115000"/>
+                        </a:lnSpc>
+                        <a:spcAft>
+                          <a:spcPts val="1000"/>
+                        </a:spcAft>
+                        <a:buNone/>
+                      </a:pPr>
+                      <a:r>
+                        <a:rPr lang="en-IN" sz="1100">
+                          <a:effectLst/>
+                        </a:rPr>
+                        <a:t>Slower (transform before load)</a:t>
+                      </a:r>
+                      <a:endParaRPr lang="en-IN" sz="1100">
+                        <a:effectLst/>
+                        <a:latin typeface="Calibri" panose="020F0502020204030204" pitchFamily="34" charset="0"/>
+                        <a:ea typeface="Calibri" panose="020F0502020204030204" pitchFamily="34" charset="0"/>
+                        <a:cs typeface="Times New Roman" panose="02020603050405020304" pitchFamily="18" charset="0"/>
+                      </a:endParaRPr>
+                    </a:p>
+                  </a:txBody>
+                  <a:tcPr marL="9525" marR="9525" marT="9525" marB="9525" anchor="ctr"/>
+                </a:tc>
+                <a:tc>
+                  <a:txBody>
+                    <a:bodyPr/>
+                    <a:lstStyle/>
+                    <a:p>
+                      <a:pPr>
+                        <a:lnSpc>
+                          <a:spcPct val="115000"/>
+                        </a:lnSpc>
+                        <a:spcAft>
+                          <a:spcPts val="1000"/>
+                        </a:spcAft>
+                        <a:buNone/>
+                      </a:pPr>
+                      <a:r>
+                        <a:rPr lang="en-IN" sz="1100">
+                          <a:effectLst/>
+                        </a:rPr>
+                        <a:t>Faster (load first, transform later)</a:t>
+                      </a:r>
+                      <a:endParaRPr lang="en-IN" sz="1100">
+                        <a:effectLst/>
+                        <a:latin typeface="Calibri" panose="020F0502020204030204" pitchFamily="34" charset="0"/>
+                        <a:ea typeface="Calibri" panose="020F0502020204030204" pitchFamily="34" charset="0"/>
+                        <a:cs typeface="Times New Roman" panose="02020603050405020304" pitchFamily="18" charset="0"/>
+                      </a:endParaRPr>
+                    </a:p>
+                  </a:txBody>
+                  <a:tcPr marL="9525" marR="9525" marT="9525" marB="9525" anchor="ctr"/>
+                </a:tc>
+                <a:extLst>
+                  <a:ext uri="{0D108BD9-81ED-4DB2-BD59-A6C34878D82A}">
+                    <a16:rowId xmlns:a16="http://schemas.microsoft.com/office/drawing/2014/main" val="187525164"/>
+                  </a:ext>
+                </a:extLst>
+              </a:tr>
+              <a:tr h="583739">
+                <a:tc>
+                  <a:txBody>
+                    <a:bodyPr/>
+                    <a:lstStyle/>
+                    <a:p>
+                      <a:pPr>
+                        <a:lnSpc>
+                          <a:spcPct val="115000"/>
+                        </a:lnSpc>
+                        <a:spcAft>
+                          <a:spcPts val="1000"/>
+                        </a:spcAft>
+                        <a:buNone/>
+                      </a:pPr>
+                      <a:r>
+                        <a:rPr lang="en-IN" sz="1100">
+                          <a:effectLst/>
+                        </a:rPr>
+                        <a:t>Storage Cost</a:t>
+                      </a:r>
+                      <a:endParaRPr lang="en-IN" sz="1100">
+                        <a:effectLst/>
+                        <a:latin typeface="Calibri" panose="020F0502020204030204" pitchFamily="34" charset="0"/>
+                        <a:ea typeface="Calibri" panose="020F0502020204030204" pitchFamily="34" charset="0"/>
+                        <a:cs typeface="Times New Roman" panose="02020603050405020304" pitchFamily="18" charset="0"/>
+                      </a:endParaRPr>
+                    </a:p>
+                  </a:txBody>
+                  <a:tcPr marL="9525" marR="9525" marT="9525" marB="9525" anchor="ctr"/>
+                </a:tc>
+                <a:tc>
+                  <a:txBody>
+                    <a:bodyPr/>
+                    <a:lstStyle/>
+                    <a:p>
+                      <a:pPr>
+                        <a:lnSpc>
+                          <a:spcPct val="115000"/>
+                        </a:lnSpc>
+                        <a:spcAft>
+                          <a:spcPts val="1000"/>
+                        </a:spcAft>
+                        <a:buNone/>
+                      </a:pPr>
+                      <a:r>
+                        <a:rPr lang="en-IN" sz="1100">
+                          <a:effectLst/>
+                        </a:rPr>
+                        <a:t>Usually less (only clean data stored)</a:t>
+                      </a:r>
+                      <a:endParaRPr lang="en-IN" sz="1100">
+                        <a:effectLst/>
+                        <a:latin typeface="Calibri" panose="020F0502020204030204" pitchFamily="34" charset="0"/>
+                        <a:ea typeface="Calibri" panose="020F0502020204030204" pitchFamily="34" charset="0"/>
+                        <a:cs typeface="Times New Roman" panose="02020603050405020304" pitchFamily="18" charset="0"/>
+                      </a:endParaRPr>
+                    </a:p>
+                  </a:txBody>
+                  <a:tcPr marL="9525" marR="9525" marT="9525" marB="9525" anchor="ctr"/>
+                </a:tc>
+                <a:tc>
+                  <a:txBody>
+                    <a:bodyPr/>
+                    <a:lstStyle/>
+                    <a:p>
+                      <a:pPr>
+                        <a:lnSpc>
+                          <a:spcPct val="115000"/>
+                        </a:lnSpc>
+                        <a:spcAft>
+                          <a:spcPts val="1000"/>
+                        </a:spcAft>
+                        <a:buNone/>
+                      </a:pPr>
+                      <a:r>
+                        <a:rPr lang="en-IN" sz="1100">
+                          <a:effectLst/>
+                        </a:rPr>
+                        <a:t>Higher (stores both raw + processed)</a:t>
+                      </a:r>
+                      <a:endParaRPr lang="en-IN" sz="1100">
+                        <a:effectLst/>
+                        <a:latin typeface="Calibri" panose="020F0502020204030204" pitchFamily="34" charset="0"/>
+                        <a:ea typeface="Calibri" panose="020F0502020204030204" pitchFamily="34" charset="0"/>
+                        <a:cs typeface="Times New Roman" panose="02020603050405020304" pitchFamily="18" charset="0"/>
+                      </a:endParaRPr>
+                    </a:p>
+                  </a:txBody>
+                  <a:tcPr marL="9525" marR="9525" marT="9525" marB="9525" anchor="ctr"/>
+                </a:tc>
+                <a:extLst>
+                  <a:ext uri="{0D108BD9-81ED-4DB2-BD59-A6C34878D82A}">
+                    <a16:rowId xmlns:a16="http://schemas.microsoft.com/office/drawing/2014/main" val="1900338962"/>
+                  </a:ext>
+                </a:extLst>
+              </a:tr>
+              <a:tr h="583739">
+                <a:tc>
+                  <a:txBody>
+                    <a:bodyPr/>
+                    <a:lstStyle/>
+                    <a:p>
+                      <a:pPr>
+                        <a:lnSpc>
+                          <a:spcPct val="115000"/>
+                        </a:lnSpc>
+                        <a:spcAft>
+                          <a:spcPts val="1000"/>
+                        </a:spcAft>
+                        <a:buNone/>
+                      </a:pPr>
+                      <a:r>
+                        <a:rPr lang="en-IN" sz="1100">
+                          <a:effectLst/>
+                        </a:rPr>
+                        <a:t>Flexibility</a:t>
+                      </a:r>
+                      <a:endParaRPr lang="en-IN" sz="1100">
+                        <a:effectLst/>
+                        <a:latin typeface="Calibri" panose="020F0502020204030204" pitchFamily="34" charset="0"/>
+                        <a:ea typeface="Calibri" panose="020F0502020204030204" pitchFamily="34" charset="0"/>
+                        <a:cs typeface="Times New Roman" panose="02020603050405020304" pitchFamily="18" charset="0"/>
+                      </a:endParaRPr>
+                    </a:p>
+                  </a:txBody>
+                  <a:tcPr marL="9525" marR="9525" marT="9525" marB="9525" anchor="ctr"/>
+                </a:tc>
+                <a:tc>
+                  <a:txBody>
+                    <a:bodyPr/>
+                    <a:lstStyle/>
+                    <a:p>
+                      <a:pPr>
+                        <a:lnSpc>
+                          <a:spcPct val="115000"/>
+                        </a:lnSpc>
+                        <a:spcAft>
+                          <a:spcPts val="1000"/>
+                        </a:spcAft>
+                        <a:buNone/>
+                      </a:pPr>
+                      <a:r>
+                        <a:rPr lang="en-IN" sz="1100">
+                          <a:effectLst/>
+                        </a:rPr>
+                        <a:t>Limited (fixed schema upfront)</a:t>
+                      </a:r>
+                      <a:endParaRPr lang="en-IN" sz="1100">
+                        <a:effectLst/>
+                        <a:latin typeface="Calibri" panose="020F0502020204030204" pitchFamily="34" charset="0"/>
+                        <a:ea typeface="Calibri" panose="020F0502020204030204" pitchFamily="34" charset="0"/>
+                        <a:cs typeface="Times New Roman" panose="02020603050405020304" pitchFamily="18" charset="0"/>
+                      </a:endParaRPr>
+                    </a:p>
+                  </a:txBody>
+                  <a:tcPr marL="9525" marR="9525" marT="9525" marB="9525" anchor="ctr"/>
+                </a:tc>
+                <a:tc>
+                  <a:txBody>
+                    <a:bodyPr/>
+                    <a:lstStyle/>
+                    <a:p>
+                      <a:pPr>
+                        <a:lnSpc>
+                          <a:spcPct val="115000"/>
+                        </a:lnSpc>
+                        <a:spcAft>
+                          <a:spcPts val="1000"/>
+                        </a:spcAft>
+                        <a:buNone/>
+                      </a:pPr>
+                      <a:r>
+                        <a:rPr lang="en-IN" sz="1100">
+                          <a:effectLst/>
+                        </a:rPr>
+                        <a:t>High (raw + multiple transformed views)</a:t>
+                      </a:r>
+                      <a:endParaRPr lang="en-IN" sz="1100">
+                        <a:effectLst/>
+                        <a:latin typeface="Calibri" panose="020F0502020204030204" pitchFamily="34" charset="0"/>
+                        <a:ea typeface="Calibri" panose="020F0502020204030204" pitchFamily="34" charset="0"/>
+                        <a:cs typeface="Times New Roman" panose="02020603050405020304" pitchFamily="18" charset="0"/>
+                      </a:endParaRPr>
+                    </a:p>
+                  </a:txBody>
+                  <a:tcPr marL="9525" marR="9525" marT="9525" marB="9525" anchor="ctr"/>
+                </a:tc>
+                <a:extLst>
+                  <a:ext uri="{0D108BD9-81ED-4DB2-BD59-A6C34878D82A}">
+                    <a16:rowId xmlns:a16="http://schemas.microsoft.com/office/drawing/2014/main" val="2705989887"/>
+                  </a:ext>
+                </a:extLst>
+              </a:tr>
+              <a:tr h="583739">
+                <a:tc>
+                  <a:txBody>
+                    <a:bodyPr/>
+                    <a:lstStyle/>
+                    <a:p>
+                      <a:pPr>
+                        <a:lnSpc>
+                          <a:spcPct val="115000"/>
+                        </a:lnSpc>
+                        <a:spcAft>
+                          <a:spcPts val="1000"/>
+                        </a:spcAft>
+                        <a:buNone/>
+                      </a:pPr>
+                      <a:r>
+                        <a:rPr lang="en-IN" sz="1100">
+                          <a:effectLst/>
+                        </a:rPr>
+                        <a:t>Tools</a:t>
+                      </a:r>
+                      <a:endParaRPr lang="en-IN" sz="1100">
+                        <a:effectLst/>
+                        <a:latin typeface="Calibri" panose="020F0502020204030204" pitchFamily="34" charset="0"/>
+                        <a:ea typeface="Calibri" panose="020F0502020204030204" pitchFamily="34" charset="0"/>
+                        <a:cs typeface="Times New Roman" panose="02020603050405020304" pitchFamily="18" charset="0"/>
+                      </a:endParaRPr>
+                    </a:p>
+                  </a:txBody>
+                  <a:tcPr marL="9525" marR="9525" marT="9525" marB="9525" anchor="ctr"/>
+                </a:tc>
+                <a:tc>
+                  <a:txBody>
+                    <a:bodyPr/>
+                    <a:lstStyle/>
+                    <a:p>
+                      <a:pPr>
+                        <a:lnSpc>
+                          <a:spcPct val="115000"/>
+                        </a:lnSpc>
+                        <a:spcAft>
+                          <a:spcPts val="1000"/>
+                        </a:spcAft>
+                        <a:buNone/>
+                      </a:pPr>
+                      <a:r>
+                        <a:rPr lang="en-IN" sz="1100">
+                          <a:effectLst/>
+                        </a:rPr>
+                        <a:t>SSIS, Informatica, ADF Mapping Data Flow</a:t>
+                      </a:r>
+                      <a:endParaRPr lang="en-IN" sz="1100">
+                        <a:effectLst/>
+                        <a:latin typeface="Calibri" panose="020F0502020204030204" pitchFamily="34" charset="0"/>
+                        <a:ea typeface="Calibri" panose="020F0502020204030204" pitchFamily="34" charset="0"/>
+                        <a:cs typeface="Times New Roman" panose="02020603050405020304" pitchFamily="18" charset="0"/>
+                      </a:endParaRPr>
+                    </a:p>
+                  </a:txBody>
+                  <a:tcPr marL="9525" marR="9525" marT="9525" marB="9525" anchor="ctr"/>
+                </a:tc>
+                <a:tc>
+                  <a:txBody>
+                    <a:bodyPr/>
+                    <a:lstStyle/>
+                    <a:p>
+                      <a:pPr>
+                        <a:lnSpc>
+                          <a:spcPct val="115000"/>
+                        </a:lnSpc>
+                        <a:spcAft>
+                          <a:spcPts val="1000"/>
+                        </a:spcAft>
+                        <a:buNone/>
+                      </a:pPr>
+                      <a:r>
+                        <a:rPr lang="en-IN" sz="1100">
+                          <a:effectLst/>
+                        </a:rPr>
+                        <a:t>Azure Synapse, Snowflake, Databricks</a:t>
+                      </a:r>
+                      <a:endParaRPr lang="en-IN" sz="1100">
+                        <a:effectLst/>
+                        <a:latin typeface="Calibri" panose="020F0502020204030204" pitchFamily="34" charset="0"/>
+                        <a:ea typeface="Calibri" panose="020F0502020204030204" pitchFamily="34" charset="0"/>
+                        <a:cs typeface="Times New Roman" panose="02020603050405020304" pitchFamily="18" charset="0"/>
+                      </a:endParaRPr>
+                    </a:p>
+                  </a:txBody>
+                  <a:tcPr marL="9525" marR="9525" marT="9525" marB="9525" anchor="ctr"/>
+                </a:tc>
+                <a:extLst>
+                  <a:ext uri="{0D108BD9-81ED-4DB2-BD59-A6C34878D82A}">
+                    <a16:rowId xmlns:a16="http://schemas.microsoft.com/office/drawing/2014/main" val="2035700771"/>
+                  </a:ext>
+                </a:extLst>
+              </a:tr>
+              <a:tr h="583739">
+                <a:tc>
+                  <a:txBody>
+                    <a:bodyPr/>
+                    <a:lstStyle/>
+                    <a:p>
+                      <a:pPr>
+                        <a:lnSpc>
+                          <a:spcPct val="115000"/>
+                        </a:lnSpc>
+                        <a:spcAft>
+                          <a:spcPts val="1000"/>
+                        </a:spcAft>
+                        <a:buNone/>
+                      </a:pPr>
+                      <a:r>
+                        <a:rPr lang="en-IN" sz="1100">
+                          <a:effectLst/>
+                        </a:rPr>
+                        <a:t>Best For</a:t>
+                      </a:r>
+                      <a:endParaRPr lang="en-IN" sz="1100">
+                        <a:effectLst/>
+                        <a:latin typeface="Calibri" panose="020F0502020204030204" pitchFamily="34" charset="0"/>
+                        <a:ea typeface="Calibri" panose="020F0502020204030204" pitchFamily="34" charset="0"/>
+                        <a:cs typeface="Times New Roman" panose="02020603050405020304" pitchFamily="18" charset="0"/>
+                      </a:endParaRPr>
+                    </a:p>
+                  </a:txBody>
+                  <a:tcPr marL="9525" marR="9525" marT="9525" marB="9525" anchor="ctr"/>
+                </a:tc>
+                <a:tc>
+                  <a:txBody>
+                    <a:bodyPr/>
+                    <a:lstStyle/>
+                    <a:p>
+                      <a:pPr>
+                        <a:lnSpc>
+                          <a:spcPct val="115000"/>
+                        </a:lnSpc>
+                        <a:spcAft>
+                          <a:spcPts val="1000"/>
+                        </a:spcAft>
+                        <a:buNone/>
+                      </a:pPr>
+                      <a:r>
+                        <a:rPr lang="en-IN" sz="1100">
+                          <a:effectLst/>
+                        </a:rPr>
+                        <a:t>On-prem, legacy DW, strict compliance</a:t>
+                      </a:r>
+                      <a:endParaRPr lang="en-IN" sz="1100">
+                        <a:effectLst/>
+                        <a:latin typeface="Calibri" panose="020F0502020204030204" pitchFamily="34" charset="0"/>
+                        <a:ea typeface="Calibri" panose="020F0502020204030204" pitchFamily="34" charset="0"/>
+                        <a:cs typeface="Times New Roman" panose="02020603050405020304" pitchFamily="18" charset="0"/>
+                      </a:endParaRPr>
+                    </a:p>
+                  </a:txBody>
+                  <a:tcPr marL="9525" marR="9525" marT="9525" marB="9525" anchor="ctr"/>
+                </a:tc>
+                <a:tc>
+                  <a:txBody>
+                    <a:bodyPr/>
+                    <a:lstStyle/>
+                    <a:p>
+                      <a:pPr>
+                        <a:lnSpc>
+                          <a:spcPct val="115000"/>
+                        </a:lnSpc>
+                        <a:spcAft>
+                          <a:spcPts val="1000"/>
+                        </a:spcAft>
+                        <a:buNone/>
+                      </a:pPr>
+                      <a:r>
+                        <a:rPr lang="en-IN" sz="1100" dirty="0">
+                          <a:effectLst/>
+                        </a:rPr>
+                        <a:t>Cloud DW, Big Data, streaming use cases</a:t>
+                      </a:r>
+                      <a:endParaRPr lang="en-IN" sz="1100" dirty="0">
+                        <a:effectLst/>
+                        <a:latin typeface="Calibri" panose="020F0502020204030204" pitchFamily="34" charset="0"/>
+                        <a:ea typeface="Calibri" panose="020F0502020204030204" pitchFamily="34" charset="0"/>
+                        <a:cs typeface="Times New Roman" panose="02020603050405020304" pitchFamily="18" charset="0"/>
+                      </a:endParaRPr>
+                    </a:p>
+                  </a:txBody>
+                  <a:tcPr marL="9525" marR="9525" marT="9525" marB="9525" anchor="ctr"/>
+                </a:tc>
+                <a:extLst>
+                  <a:ext uri="{0D108BD9-81ED-4DB2-BD59-A6C34878D82A}">
+                    <a16:rowId xmlns:a16="http://schemas.microsoft.com/office/drawing/2014/main" val="2295367934"/>
+                  </a:ext>
+                </a:extLst>
+              </a:tr>
+            </a:tbl>
+          </a:graphicData>
+        </a:graphic>
+      </p:graphicFrame>
+    </p:spTree>
+    <p:extLst>
+      <p:ext uri="{BB962C8B-B14F-4D97-AF65-F5344CB8AC3E}">
+        <p14:creationId xmlns:p14="http://schemas.microsoft.com/office/powerpoint/2010/main" val="3282914695"/>
+      </p:ext>
+    </p:extLst>
+  </p:cSld>
+  <p:clrMapOvr>
+    <a:masterClrMapping/>
+  </p:clrMapOvr>
+</p:sld>
+</file>
+
+<file path=ppt/slides/slide5.xml><?xml version="1.0" encoding="utf-8"?>
+<p:sld xmlns:a="http://schemas.openxmlformats.org/drawingml/2006/main" xmlns:r="http://schemas.openxmlformats.org/officeDocument/2006/relationships" xmlns:p="http://schemas.openxmlformats.org/presentationml/2006/main">
+  <p:cSld>
+    <p:spTree>
+      <p:nvGrpSpPr>
+        <p:cNvPr id="1" name=""/>
+        <p:cNvGrpSpPr/>
+        <p:nvPr/>
+      </p:nvGrpSpPr>
+      <p:grpSpPr>
+        <a:xfrm>
+          <a:off x="0" y="0"/>
+          <a:ext cx="0" cy="0"/>
+          <a:chOff x="0" y="0"/>
+          <a:chExt cx="0" cy="0"/>
+        </a:xfrm>
+      </p:grpSpPr>
+      <p:sp>
+        <p:nvSpPr>
           <p:cNvPr id="2" name="Title 1"/>
           <p:cNvSpPr>
             <a:spLocks noGrp="1"/>
@@ -16814,30 +17816,35 @@
           <a:bodyPr/>
           <a:lstStyle/>
           <a:p>
-            <a:endParaRPr/>
+            <a:endParaRPr dirty="0"/>
           </a:p>
           <a:p>
             <a:r>
+              <a:rPr dirty="0"/>
               <a:t>Linked Services – connection information for data sources</a:t>
             </a:r>
           </a:p>
           <a:p>
             <a:r>
+              <a:rPr dirty="0"/>
               <a:t>Datasets – data structures within data stores</a:t>
             </a:r>
           </a:p>
           <a:p>
             <a:r>
+              <a:rPr dirty="0"/>
               <a:t>Pipelines – logical grouping of activities</a:t>
             </a:r>
           </a:p>
           <a:p>
             <a:r>
+              <a:rPr dirty="0"/>
               <a:t>Activities – steps inside a pipeline</a:t>
             </a:r>
           </a:p>
           <a:p>
             <a:r>
+              <a:rPr dirty="0"/>
               <a:t>Triggers – schedule or event-based execution</a:t>
             </a:r>
           </a:p>
@@ -16851,7 +17858,7 @@
 </p:sld>
 </file>
 
-<file path=ppt/slides/slide5.xml><?xml version="1.0" encoding="utf-8"?>
+<file path=ppt/slides/slide6.xml><?xml version="1.0" encoding="utf-8"?>
 <p:sld xmlns:a="http://schemas.openxmlformats.org/drawingml/2006/main" xmlns:r="http://schemas.openxmlformats.org/officeDocument/2006/relationships" xmlns:p="http://schemas.openxmlformats.org/presentationml/2006/main">
   <p:cSld>
     <p:spTree>
@@ -16904,20 +17911,23 @@
           <a:bodyPr/>
           <a:lstStyle/>
           <a:p>
-            <a:endParaRPr/>
+            <a:endParaRPr dirty="0"/>
           </a:p>
           <a:p>
             <a:r>
+              <a:rPr dirty="0"/>
               <a:t>Azure-hosted IR: Fully managed, auto-scaled, no infra management</a:t>
             </a:r>
           </a:p>
           <a:p>
             <a:r>
+              <a:rPr dirty="0"/>
               <a:t>Self-hosted IR: On-premises or private network integration</a:t>
             </a:r>
           </a:p>
           <a:p>
             <a:r>
+              <a:rPr dirty="0"/>
               <a:t>Used for hybrid data movement scenarios</a:t>
             </a:r>
           </a:p>
@@ -16931,7 +17941,900 @@
 </p:sld>
 </file>
 
-<file path=ppt/slides/slide6.xml><?xml version="1.0" encoding="utf-8"?>
+<file path=ppt/slides/slide7.xml><?xml version="1.0" encoding="utf-8"?>
+<p:sld xmlns:a="http://schemas.openxmlformats.org/drawingml/2006/main" xmlns:r="http://schemas.openxmlformats.org/officeDocument/2006/relationships" xmlns:p="http://schemas.openxmlformats.org/presentationml/2006/main">
+  <p:cSld>
+    <p:spTree>
+      <p:nvGrpSpPr>
+        <p:cNvPr id="1" name=""/>
+        <p:cNvGrpSpPr/>
+        <p:nvPr/>
+      </p:nvGrpSpPr>
+      <p:grpSpPr>
+        <a:xfrm>
+          <a:off x="0" y="0"/>
+          <a:ext cx="0" cy="0"/>
+          <a:chOff x="0" y="0"/>
+          <a:chExt cx="0" cy="0"/>
+        </a:xfrm>
+      </p:grpSpPr>
+      <p:sp>
+        <p:nvSpPr>
+          <p:cNvPr id="2" name="Title 1">
+            <a:extLst>
+              <a:ext uri="{FF2B5EF4-FFF2-40B4-BE49-F238E27FC236}">
+                <a16:creationId xmlns:a16="http://schemas.microsoft.com/office/drawing/2014/main" id="{E3DF8435-88E7-DD88-CE20-FD0265CBB656}"/>
+              </a:ext>
+            </a:extLst>
+          </p:cNvPr>
+          <p:cNvSpPr>
+            <a:spLocks noGrp="1"/>
+          </p:cNvSpPr>
+          <p:nvPr>
+            <p:ph type="title"/>
+          </p:nvPr>
+        </p:nvSpPr>
+        <p:spPr/>
+        <p:txBody>
+          <a:bodyPr/>
+          <a:lstStyle/>
+          <a:p>
+            <a:r>
+              <a:rPr lang="en-US" dirty="0"/>
+              <a:t>Azure IR vs Self hosted IR</a:t>
+            </a:r>
+            <a:endParaRPr lang="en-IN" dirty="0"/>
+          </a:p>
+        </p:txBody>
+      </p:sp>
+      <p:graphicFrame>
+        <p:nvGraphicFramePr>
+          <p:cNvPr id="4" name="Content Placeholder 3">
+            <a:extLst>
+              <a:ext uri="{FF2B5EF4-FFF2-40B4-BE49-F238E27FC236}">
+                <a16:creationId xmlns:a16="http://schemas.microsoft.com/office/drawing/2014/main" id="{B961AFB4-369B-2ACE-A43B-06D1E3BF8711}"/>
+              </a:ext>
+            </a:extLst>
+          </p:cNvPr>
+          <p:cNvGraphicFramePr>
+            <a:graphicFrameLocks noGrp="1"/>
+          </p:cNvGraphicFramePr>
+          <p:nvPr>
+            <p:ph idx="1"/>
+            <p:extLst>
+              <p:ext uri="{D42A27DB-BD31-4B8C-83A1-F6EECF244321}">
+                <p14:modId xmlns:p14="http://schemas.microsoft.com/office/powerpoint/2010/main" val="3271138786"/>
+              </p:ext>
+            </p:extLst>
+          </p:nvPr>
+        </p:nvGraphicFramePr>
+        <p:xfrm>
+          <a:off x="768350" y="2156791"/>
+          <a:ext cx="7289799" cy="4343397"/>
+        </p:xfrm>
+        <a:graphic>
+          <a:graphicData uri="http://schemas.openxmlformats.org/drawingml/2006/table">
+            <a:tbl>
+              <a:tblPr firstRow="1" firstCol="1" bandRow="1">
+                <a:tableStyleId>{5C22544A-7EE6-4342-B048-85BDC9FD1C3A}</a:tableStyleId>
+              </a:tblPr>
+              <a:tblGrid>
+                <a:gridCol w="2429933">
+                  <a:extLst>
+                    <a:ext uri="{9D8B030D-6E8A-4147-A177-3AD203B41FA5}">
+                      <a16:colId xmlns:a16="http://schemas.microsoft.com/office/drawing/2014/main" val="3374419092"/>
+                    </a:ext>
+                  </a:extLst>
+                </a:gridCol>
+                <a:gridCol w="2429933">
+                  <a:extLst>
+                    <a:ext uri="{9D8B030D-6E8A-4147-A177-3AD203B41FA5}">
+                      <a16:colId xmlns:a16="http://schemas.microsoft.com/office/drawing/2014/main" val="3106053615"/>
+                    </a:ext>
+                  </a:extLst>
+                </a:gridCol>
+                <a:gridCol w="2429933">
+                  <a:extLst>
+                    <a:ext uri="{9D8B030D-6E8A-4147-A177-3AD203B41FA5}">
+                      <a16:colId xmlns:a16="http://schemas.microsoft.com/office/drawing/2014/main" val="3174677821"/>
+                    </a:ext>
+                  </a:extLst>
+                </a:gridCol>
+              </a:tblGrid>
+              <a:tr h="484614">
+                <a:tc>
+                  <a:txBody>
+                    <a:bodyPr/>
+                    <a:lstStyle/>
+                    <a:p>
+                      <a:pPr>
+                        <a:lnSpc>
+                          <a:spcPct val="115000"/>
+                        </a:lnSpc>
+                        <a:spcAft>
+                          <a:spcPts val="1000"/>
+                        </a:spcAft>
+                        <a:buNone/>
+                      </a:pPr>
+                      <a:r>
+                        <a:rPr lang="en-IN" sz="1100">
+                          <a:effectLst/>
+                        </a:rPr>
+                        <a:t>Feature</a:t>
+                      </a:r>
+                      <a:endParaRPr lang="en-IN" sz="1100">
+                        <a:effectLst/>
+                        <a:latin typeface="Calibri" panose="020F0502020204030204" pitchFamily="34" charset="0"/>
+                        <a:ea typeface="Calibri" panose="020F0502020204030204" pitchFamily="34" charset="0"/>
+                        <a:cs typeface="Times New Roman" panose="02020603050405020304" pitchFamily="18" charset="0"/>
+                      </a:endParaRPr>
+                    </a:p>
+                  </a:txBody>
+                  <a:tcPr marL="9525" marR="9525" marT="9525" marB="9525" anchor="ctr"/>
+                </a:tc>
+                <a:tc>
+                  <a:txBody>
+                    <a:bodyPr/>
+                    <a:lstStyle/>
+                    <a:p>
+                      <a:pPr>
+                        <a:lnSpc>
+                          <a:spcPct val="115000"/>
+                        </a:lnSpc>
+                        <a:spcAft>
+                          <a:spcPts val="1000"/>
+                        </a:spcAft>
+                        <a:buNone/>
+                      </a:pPr>
+                      <a:r>
+                        <a:rPr lang="en-IN" sz="1100">
+                          <a:effectLst/>
+                        </a:rPr>
+                        <a:t>Azure IR (Auto-Resolve)</a:t>
+                      </a:r>
+                      <a:endParaRPr lang="en-IN" sz="1100">
+                        <a:effectLst/>
+                        <a:latin typeface="Calibri" panose="020F0502020204030204" pitchFamily="34" charset="0"/>
+                        <a:ea typeface="Calibri" panose="020F0502020204030204" pitchFamily="34" charset="0"/>
+                        <a:cs typeface="Times New Roman" panose="02020603050405020304" pitchFamily="18" charset="0"/>
+                      </a:endParaRPr>
+                    </a:p>
+                  </a:txBody>
+                  <a:tcPr marL="9525" marR="9525" marT="9525" marB="9525" anchor="ctr"/>
+                </a:tc>
+                <a:tc>
+                  <a:txBody>
+                    <a:bodyPr/>
+                    <a:lstStyle/>
+                    <a:p>
+                      <a:pPr>
+                        <a:lnSpc>
+                          <a:spcPct val="115000"/>
+                        </a:lnSpc>
+                        <a:spcAft>
+                          <a:spcPts val="1000"/>
+                        </a:spcAft>
+                        <a:buNone/>
+                      </a:pPr>
+                      <a:r>
+                        <a:rPr lang="en-IN" sz="1100">
+                          <a:effectLst/>
+                        </a:rPr>
+                        <a:t>Self-Hosted IR</a:t>
+                      </a:r>
+                      <a:endParaRPr lang="en-IN" sz="1100">
+                        <a:effectLst/>
+                        <a:latin typeface="Calibri" panose="020F0502020204030204" pitchFamily="34" charset="0"/>
+                        <a:ea typeface="Calibri" panose="020F0502020204030204" pitchFamily="34" charset="0"/>
+                        <a:cs typeface="Times New Roman" panose="02020603050405020304" pitchFamily="18" charset="0"/>
+                      </a:endParaRPr>
+                    </a:p>
+                  </a:txBody>
+                  <a:tcPr marL="9525" marR="9525" marT="9525" marB="9525" anchor="ctr"/>
+                </a:tc>
+                <a:extLst>
+                  <a:ext uri="{0D108BD9-81ED-4DB2-BD59-A6C34878D82A}">
+                    <a16:rowId xmlns:a16="http://schemas.microsoft.com/office/drawing/2014/main" val="1465578783"/>
+                  </a:ext>
+                </a:extLst>
+              </a:tr>
+              <a:tr h="484614">
+                <a:tc>
+                  <a:txBody>
+                    <a:bodyPr/>
+                    <a:lstStyle/>
+                    <a:p>
+                      <a:pPr>
+                        <a:lnSpc>
+                          <a:spcPct val="115000"/>
+                        </a:lnSpc>
+                        <a:spcAft>
+                          <a:spcPts val="1000"/>
+                        </a:spcAft>
+                        <a:buNone/>
+                      </a:pPr>
+                      <a:r>
+                        <a:rPr lang="en-IN" sz="1100">
+                          <a:effectLst/>
+                        </a:rPr>
+                        <a:t>Location</a:t>
+                      </a:r>
+                      <a:endParaRPr lang="en-IN" sz="1100">
+                        <a:effectLst/>
+                        <a:latin typeface="Calibri" panose="020F0502020204030204" pitchFamily="34" charset="0"/>
+                        <a:ea typeface="Calibri" panose="020F0502020204030204" pitchFamily="34" charset="0"/>
+                        <a:cs typeface="Times New Roman" panose="02020603050405020304" pitchFamily="18" charset="0"/>
+                      </a:endParaRPr>
+                    </a:p>
+                  </a:txBody>
+                  <a:tcPr marL="9525" marR="9525" marT="9525" marB="9525" anchor="ctr"/>
+                </a:tc>
+                <a:tc>
+                  <a:txBody>
+                    <a:bodyPr/>
+                    <a:lstStyle/>
+                    <a:p>
+                      <a:pPr>
+                        <a:lnSpc>
+                          <a:spcPct val="115000"/>
+                        </a:lnSpc>
+                        <a:spcAft>
+                          <a:spcPts val="1000"/>
+                        </a:spcAft>
+                        <a:buNone/>
+                      </a:pPr>
+                      <a:r>
+                        <a:rPr lang="en-IN" sz="1100" dirty="0">
+                          <a:effectLst/>
+                        </a:rPr>
+                        <a:t>Microsoft-managed, cloud</a:t>
+                      </a:r>
+                      <a:endParaRPr lang="en-IN" sz="1100" dirty="0">
+                        <a:effectLst/>
+                        <a:latin typeface="Calibri" panose="020F0502020204030204" pitchFamily="34" charset="0"/>
+                        <a:ea typeface="Calibri" panose="020F0502020204030204" pitchFamily="34" charset="0"/>
+                        <a:cs typeface="Times New Roman" panose="02020603050405020304" pitchFamily="18" charset="0"/>
+                      </a:endParaRPr>
+                    </a:p>
+                  </a:txBody>
+                  <a:tcPr marL="9525" marR="9525" marT="9525" marB="9525" anchor="ctr"/>
+                </a:tc>
+                <a:tc>
+                  <a:txBody>
+                    <a:bodyPr/>
+                    <a:lstStyle/>
+                    <a:p>
+                      <a:pPr>
+                        <a:lnSpc>
+                          <a:spcPct val="115000"/>
+                        </a:lnSpc>
+                        <a:spcAft>
+                          <a:spcPts val="1000"/>
+                        </a:spcAft>
+                        <a:buNone/>
+                      </a:pPr>
+                      <a:r>
+                        <a:rPr lang="en-IN" sz="1100">
+                          <a:effectLst/>
+                        </a:rPr>
+                        <a:t>Your VM/server (on-prem or Azure VM)</a:t>
+                      </a:r>
+                      <a:endParaRPr lang="en-IN" sz="1100">
+                        <a:effectLst/>
+                        <a:latin typeface="Calibri" panose="020F0502020204030204" pitchFamily="34" charset="0"/>
+                        <a:ea typeface="Calibri" panose="020F0502020204030204" pitchFamily="34" charset="0"/>
+                        <a:cs typeface="Times New Roman" panose="02020603050405020304" pitchFamily="18" charset="0"/>
+                      </a:endParaRPr>
+                    </a:p>
+                  </a:txBody>
+                  <a:tcPr marL="9525" marR="9525" marT="9525" marB="9525" anchor="ctr"/>
+                </a:tc>
+                <a:extLst>
+                  <a:ext uri="{0D108BD9-81ED-4DB2-BD59-A6C34878D82A}">
+                    <a16:rowId xmlns:a16="http://schemas.microsoft.com/office/drawing/2014/main" val="2099048175"/>
+                  </a:ext>
+                </a:extLst>
+              </a:tr>
+              <a:tr h="484614">
+                <a:tc>
+                  <a:txBody>
+                    <a:bodyPr/>
+                    <a:lstStyle/>
+                    <a:p>
+                      <a:pPr>
+                        <a:lnSpc>
+                          <a:spcPct val="115000"/>
+                        </a:lnSpc>
+                        <a:spcAft>
+                          <a:spcPts val="1000"/>
+                        </a:spcAft>
+                        <a:buNone/>
+                      </a:pPr>
+                      <a:r>
+                        <a:rPr lang="en-IN" sz="1100">
+                          <a:effectLst/>
+                        </a:rPr>
+                        <a:t>Infra Management</a:t>
+                      </a:r>
+                      <a:endParaRPr lang="en-IN" sz="1100">
+                        <a:effectLst/>
+                        <a:latin typeface="Calibri" panose="020F0502020204030204" pitchFamily="34" charset="0"/>
+                        <a:ea typeface="Calibri" panose="020F0502020204030204" pitchFamily="34" charset="0"/>
+                        <a:cs typeface="Times New Roman" panose="02020603050405020304" pitchFamily="18" charset="0"/>
+                      </a:endParaRPr>
+                    </a:p>
+                  </a:txBody>
+                  <a:tcPr marL="9525" marR="9525" marT="9525" marB="9525" anchor="ctr"/>
+                </a:tc>
+                <a:tc>
+                  <a:txBody>
+                    <a:bodyPr/>
+                    <a:lstStyle/>
+                    <a:p>
+                      <a:pPr>
+                        <a:lnSpc>
+                          <a:spcPct val="115000"/>
+                        </a:lnSpc>
+                        <a:spcAft>
+                          <a:spcPts val="1000"/>
+                        </a:spcAft>
+                        <a:buNone/>
+                      </a:pPr>
+                      <a:r>
+                        <a:rPr lang="en-IN" sz="1100">
+                          <a:effectLst/>
+                        </a:rPr>
+                        <a:t>None (serverless)</a:t>
+                      </a:r>
+                      <a:endParaRPr lang="en-IN" sz="1100">
+                        <a:effectLst/>
+                        <a:latin typeface="Calibri" panose="020F0502020204030204" pitchFamily="34" charset="0"/>
+                        <a:ea typeface="Calibri" panose="020F0502020204030204" pitchFamily="34" charset="0"/>
+                        <a:cs typeface="Times New Roman" panose="02020603050405020304" pitchFamily="18" charset="0"/>
+                      </a:endParaRPr>
+                    </a:p>
+                  </a:txBody>
+                  <a:tcPr marL="9525" marR="9525" marT="9525" marB="9525" anchor="ctr"/>
+                </a:tc>
+                <a:tc>
+                  <a:txBody>
+                    <a:bodyPr/>
+                    <a:lstStyle/>
+                    <a:p>
+                      <a:pPr>
+                        <a:lnSpc>
+                          <a:spcPct val="115000"/>
+                        </a:lnSpc>
+                        <a:spcAft>
+                          <a:spcPts val="1000"/>
+                        </a:spcAft>
+                        <a:buNone/>
+                      </a:pPr>
+                      <a:r>
+                        <a:rPr lang="en-IN" sz="1100">
+                          <a:effectLst/>
+                        </a:rPr>
+                        <a:t>You manage VM, patching, availability</a:t>
+                      </a:r>
+                      <a:endParaRPr lang="en-IN" sz="1100">
+                        <a:effectLst/>
+                        <a:latin typeface="Calibri" panose="020F0502020204030204" pitchFamily="34" charset="0"/>
+                        <a:ea typeface="Calibri" panose="020F0502020204030204" pitchFamily="34" charset="0"/>
+                        <a:cs typeface="Times New Roman" panose="02020603050405020304" pitchFamily="18" charset="0"/>
+                      </a:endParaRPr>
+                    </a:p>
+                  </a:txBody>
+                  <a:tcPr marL="9525" marR="9525" marT="9525" marB="9525" anchor="ctr"/>
+                </a:tc>
+                <a:extLst>
+                  <a:ext uri="{0D108BD9-81ED-4DB2-BD59-A6C34878D82A}">
+                    <a16:rowId xmlns:a16="http://schemas.microsoft.com/office/drawing/2014/main" val="2085863587"/>
+                  </a:ext>
+                </a:extLst>
+              </a:tr>
+              <a:tr h="484614">
+                <a:tc>
+                  <a:txBody>
+                    <a:bodyPr/>
+                    <a:lstStyle/>
+                    <a:p>
+                      <a:pPr>
+                        <a:lnSpc>
+                          <a:spcPct val="115000"/>
+                        </a:lnSpc>
+                        <a:spcAft>
+                          <a:spcPts val="1000"/>
+                        </a:spcAft>
+                        <a:buNone/>
+                      </a:pPr>
+                      <a:r>
+                        <a:rPr lang="en-IN" sz="1100">
+                          <a:effectLst/>
+                        </a:rPr>
+                        <a:t>Access</a:t>
+                      </a:r>
+                      <a:endParaRPr lang="en-IN" sz="1100">
+                        <a:effectLst/>
+                        <a:latin typeface="Calibri" panose="020F0502020204030204" pitchFamily="34" charset="0"/>
+                        <a:ea typeface="Calibri" panose="020F0502020204030204" pitchFamily="34" charset="0"/>
+                        <a:cs typeface="Times New Roman" panose="02020603050405020304" pitchFamily="18" charset="0"/>
+                      </a:endParaRPr>
+                    </a:p>
+                  </a:txBody>
+                  <a:tcPr marL="9525" marR="9525" marT="9525" marB="9525" anchor="ctr"/>
+                </a:tc>
+                <a:tc>
+                  <a:txBody>
+                    <a:bodyPr/>
+                    <a:lstStyle/>
+                    <a:p>
+                      <a:pPr>
+                        <a:lnSpc>
+                          <a:spcPct val="115000"/>
+                        </a:lnSpc>
+                        <a:spcAft>
+                          <a:spcPts val="1000"/>
+                        </a:spcAft>
+                        <a:buNone/>
+                      </a:pPr>
+                      <a:r>
+                        <a:rPr lang="en-IN" sz="1100">
+                          <a:effectLst/>
+                        </a:rPr>
+                        <a:t>Cloud-to-cloud data sources only</a:t>
+                      </a:r>
+                      <a:endParaRPr lang="en-IN" sz="1100">
+                        <a:effectLst/>
+                        <a:latin typeface="Calibri" panose="020F0502020204030204" pitchFamily="34" charset="0"/>
+                        <a:ea typeface="Calibri" panose="020F0502020204030204" pitchFamily="34" charset="0"/>
+                        <a:cs typeface="Times New Roman" panose="02020603050405020304" pitchFamily="18" charset="0"/>
+                      </a:endParaRPr>
+                    </a:p>
+                  </a:txBody>
+                  <a:tcPr marL="9525" marR="9525" marT="9525" marB="9525" anchor="ctr"/>
+                </a:tc>
+                <a:tc>
+                  <a:txBody>
+                    <a:bodyPr/>
+                    <a:lstStyle/>
+                    <a:p>
+                      <a:pPr>
+                        <a:lnSpc>
+                          <a:spcPct val="115000"/>
+                        </a:lnSpc>
+                        <a:spcAft>
+                          <a:spcPts val="1000"/>
+                        </a:spcAft>
+                        <a:buNone/>
+                      </a:pPr>
+                      <a:r>
+                        <a:rPr lang="en-IN" sz="1100">
+                          <a:effectLst/>
+                        </a:rPr>
+                        <a:t>Both cloud + on-prem/private network</a:t>
+                      </a:r>
+                      <a:endParaRPr lang="en-IN" sz="1100">
+                        <a:effectLst/>
+                        <a:latin typeface="Calibri" panose="020F0502020204030204" pitchFamily="34" charset="0"/>
+                        <a:ea typeface="Calibri" panose="020F0502020204030204" pitchFamily="34" charset="0"/>
+                        <a:cs typeface="Times New Roman" panose="02020603050405020304" pitchFamily="18" charset="0"/>
+                      </a:endParaRPr>
+                    </a:p>
+                  </a:txBody>
+                  <a:tcPr marL="9525" marR="9525" marT="9525" marB="9525" anchor="ctr"/>
+                </a:tc>
+                <a:extLst>
+                  <a:ext uri="{0D108BD9-81ED-4DB2-BD59-A6C34878D82A}">
+                    <a16:rowId xmlns:a16="http://schemas.microsoft.com/office/drawing/2014/main" val="519667971"/>
+                  </a:ext>
+                </a:extLst>
+              </a:tr>
+              <a:tr h="484614">
+                <a:tc>
+                  <a:txBody>
+                    <a:bodyPr/>
+                    <a:lstStyle/>
+                    <a:p>
+                      <a:pPr>
+                        <a:lnSpc>
+                          <a:spcPct val="115000"/>
+                        </a:lnSpc>
+                        <a:spcAft>
+                          <a:spcPts val="1000"/>
+                        </a:spcAft>
+                        <a:buNone/>
+                      </a:pPr>
+                      <a:r>
+                        <a:rPr lang="en-IN" sz="1100">
+                          <a:effectLst/>
+                        </a:rPr>
+                        <a:t>Scaling</a:t>
+                      </a:r>
+                      <a:endParaRPr lang="en-IN" sz="1100">
+                        <a:effectLst/>
+                        <a:latin typeface="Calibri" panose="020F0502020204030204" pitchFamily="34" charset="0"/>
+                        <a:ea typeface="Calibri" panose="020F0502020204030204" pitchFamily="34" charset="0"/>
+                        <a:cs typeface="Times New Roman" panose="02020603050405020304" pitchFamily="18" charset="0"/>
+                      </a:endParaRPr>
+                    </a:p>
+                  </a:txBody>
+                  <a:tcPr marL="9525" marR="9525" marT="9525" marB="9525" anchor="ctr"/>
+                </a:tc>
+                <a:tc>
+                  <a:txBody>
+                    <a:bodyPr/>
+                    <a:lstStyle/>
+                    <a:p>
+                      <a:pPr>
+                        <a:lnSpc>
+                          <a:spcPct val="115000"/>
+                        </a:lnSpc>
+                        <a:spcAft>
+                          <a:spcPts val="1000"/>
+                        </a:spcAft>
+                        <a:buNone/>
+                      </a:pPr>
+                      <a:r>
+                        <a:rPr lang="en-IN" sz="1100">
+                          <a:effectLst/>
+                        </a:rPr>
+                        <a:t>Auto-scale, elastic</a:t>
+                      </a:r>
+                      <a:endParaRPr lang="en-IN" sz="1100">
+                        <a:effectLst/>
+                        <a:latin typeface="Calibri" panose="020F0502020204030204" pitchFamily="34" charset="0"/>
+                        <a:ea typeface="Calibri" panose="020F0502020204030204" pitchFamily="34" charset="0"/>
+                        <a:cs typeface="Times New Roman" panose="02020603050405020304" pitchFamily="18" charset="0"/>
+                      </a:endParaRPr>
+                    </a:p>
+                  </a:txBody>
+                  <a:tcPr marL="9525" marR="9525" marT="9525" marB="9525" anchor="ctr"/>
+                </a:tc>
+                <a:tc>
+                  <a:txBody>
+                    <a:bodyPr/>
+                    <a:lstStyle/>
+                    <a:p>
+                      <a:pPr>
+                        <a:lnSpc>
+                          <a:spcPct val="115000"/>
+                        </a:lnSpc>
+                        <a:spcAft>
+                          <a:spcPts val="1000"/>
+                        </a:spcAft>
+                        <a:buNone/>
+                      </a:pPr>
+                      <a:r>
+                        <a:rPr lang="en-IN" sz="1100">
+                          <a:effectLst/>
+                        </a:rPr>
+                        <a:t>Manual (add more nodes for high load)</a:t>
+                      </a:r>
+                      <a:endParaRPr lang="en-IN" sz="1100">
+                        <a:effectLst/>
+                        <a:latin typeface="Calibri" panose="020F0502020204030204" pitchFamily="34" charset="0"/>
+                        <a:ea typeface="Calibri" panose="020F0502020204030204" pitchFamily="34" charset="0"/>
+                        <a:cs typeface="Times New Roman" panose="02020603050405020304" pitchFamily="18" charset="0"/>
+                      </a:endParaRPr>
+                    </a:p>
+                  </a:txBody>
+                  <a:tcPr marL="9525" marR="9525" marT="9525" marB="9525" anchor="ctr"/>
+                </a:tc>
+                <a:extLst>
+                  <a:ext uri="{0D108BD9-81ED-4DB2-BD59-A6C34878D82A}">
+                    <a16:rowId xmlns:a16="http://schemas.microsoft.com/office/drawing/2014/main" val="3227421365"/>
+                  </a:ext>
+                </a:extLst>
+              </a:tr>
+              <a:tr h="484614">
+                <a:tc>
+                  <a:txBody>
+                    <a:bodyPr/>
+                    <a:lstStyle/>
+                    <a:p>
+                      <a:pPr>
+                        <a:lnSpc>
+                          <a:spcPct val="115000"/>
+                        </a:lnSpc>
+                        <a:spcAft>
+                          <a:spcPts val="1000"/>
+                        </a:spcAft>
+                        <a:buNone/>
+                      </a:pPr>
+                      <a:r>
+                        <a:rPr lang="en-IN" sz="1100">
+                          <a:effectLst/>
+                        </a:rPr>
+                        <a:t>Startup Time</a:t>
+                      </a:r>
+                      <a:endParaRPr lang="en-IN" sz="1100">
+                        <a:effectLst/>
+                        <a:latin typeface="Calibri" panose="020F0502020204030204" pitchFamily="34" charset="0"/>
+                        <a:ea typeface="Calibri" panose="020F0502020204030204" pitchFamily="34" charset="0"/>
+                        <a:cs typeface="Times New Roman" panose="02020603050405020304" pitchFamily="18" charset="0"/>
+                      </a:endParaRPr>
+                    </a:p>
+                  </a:txBody>
+                  <a:tcPr marL="9525" marR="9525" marT="9525" marB="9525" anchor="ctr"/>
+                </a:tc>
+                <a:tc>
+                  <a:txBody>
+                    <a:bodyPr/>
+                    <a:lstStyle/>
+                    <a:p>
+                      <a:pPr>
+                        <a:lnSpc>
+                          <a:spcPct val="115000"/>
+                        </a:lnSpc>
+                        <a:spcAft>
+                          <a:spcPts val="1000"/>
+                        </a:spcAft>
+                        <a:buNone/>
+                      </a:pPr>
+                      <a:r>
+                        <a:rPr lang="en-IN" sz="1100">
+                          <a:effectLst/>
+                        </a:rPr>
+                        <a:t>5–10 mins for Mapping Data Flows</a:t>
+                      </a:r>
+                      <a:endParaRPr lang="en-IN" sz="1100">
+                        <a:effectLst/>
+                        <a:latin typeface="Calibri" panose="020F0502020204030204" pitchFamily="34" charset="0"/>
+                        <a:ea typeface="Calibri" panose="020F0502020204030204" pitchFamily="34" charset="0"/>
+                        <a:cs typeface="Times New Roman" panose="02020603050405020304" pitchFamily="18" charset="0"/>
+                      </a:endParaRPr>
+                    </a:p>
+                  </a:txBody>
+                  <a:tcPr marL="9525" marR="9525" marT="9525" marB="9525" anchor="ctr"/>
+                </a:tc>
+                <a:tc>
+                  <a:txBody>
+                    <a:bodyPr/>
+                    <a:lstStyle/>
+                    <a:p>
+                      <a:pPr>
+                        <a:lnSpc>
+                          <a:spcPct val="115000"/>
+                        </a:lnSpc>
+                        <a:spcAft>
+                          <a:spcPts val="1000"/>
+                        </a:spcAft>
+                        <a:buNone/>
+                      </a:pPr>
+                      <a:r>
+                        <a:rPr lang="en-IN" sz="1100">
+                          <a:effectLst/>
+                        </a:rPr>
+                        <a:t>Instant (no Spark cluster spin-up)</a:t>
+                      </a:r>
+                      <a:endParaRPr lang="en-IN" sz="1100">
+                        <a:effectLst/>
+                        <a:latin typeface="Calibri" panose="020F0502020204030204" pitchFamily="34" charset="0"/>
+                        <a:ea typeface="Calibri" panose="020F0502020204030204" pitchFamily="34" charset="0"/>
+                        <a:cs typeface="Times New Roman" panose="02020603050405020304" pitchFamily="18" charset="0"/>
+                      </a:endParaRPr>
+                    </a:p>
+                  </a:txBody>
+                  <a:tcPr marL="9525" marR="9525" marT="9525" marB="9525" anchor="ctr"/>
+                </a:tc>
+                <a:extLst>
+                  <a:ext uri="{0D108BD9-81ED-4DB2-BD59-A6C34878D82A}">
+                    <a16:rowId xmlns:a16="http://schemas.microsoft.com/office/drawing/2014/main" val="319275687"/>
+                  </a:ext>
+                </a:extLst>
+              </a:tr>
+              <a:tr h="484614">
+                <a:tc>
+                  <a:txBody>
+                    <a:bodyPr/>
+                    <a:lstStyle/>
+                    <a:p>
+                      <a:pPr>
+                        <a:lnSpc>
+                          <a:spcPct val="115000"/>
+                        </a:lnSpc>
+                        <a:spcAft>
+                          <a:spcPts val="1000"/>
+                        </a:spcAft>
+                        <a:buNone/>
+                      </a:pPr>
+                      <a:r>
+                        <a:rPr lang="en-IN" sz="1100">
+                          <a:effectLst/>
+                        </a:rPr>
+                        <a:t>Cost Model</a:t>
+                      </a:r>
+                      <a:endParaRPr lang="en-IN" sz="1100">
+                        <a:effectLst/>
+                        <a:latin typeface="Calibri" panose="020F0502020204030204" pitchFamily="34" charset="0"/>
+                        <a:ea typeface="Calibri" panose="020F0502020204030204" pitchFamily="34" charset="0"/>
+                        <a:cs typeface="Times New Roman" panose="02020603050405020304" pitchFamily="18" charset="0"/>
+                      </a:endParaRPr>
+                    </a:p>
+                  </a:txBody>
+                  <a:tcPr marL="9525" marR="9525" marT="9525" marB="9525" anchor="ctr"/>
+                </a:tc>
+                <a:tc>
+                  <a:txBody>
+                    <a:bodyPr/>
+                    <a:lstStyle/>
+                    <a:p>
+                      <a:pPr>
+                        <a:lnSpc>
+                          <a:spcPct val="115000"/>
+                        </a:lnSpc>
+                        <a:spcAft>
+                          <a:spcPts val="1000"/>
+                        </a:spcAft>
+                        <a:buNone/>
+                      </a:pPr>
+                      <a:r>
+                        <a:rPr lang="en-IN" sz="1100">
+                          <a:effectLst/>
+                        </a:rPr>
+                        <a:t>Pay for activity runtime (DIUs, clusters)</a:t>
+                      </a:r>
+                      <a:endParaRPr lang="en-IN" sz="1100">
+                        <a:effectLst/>
+                        <a:latin typeface="Calibri" panose="020F0502020204030204" pitchFamily="34" charset="0"/>
+                        <a:ea typeface="Calibri" panose="020F0502020204030204" pitchFamily="34" charset="0"/>
+                        <a:cs typeface="Times New Roman" panose="02020603050405020304" pitchFamily="18" charset="0"/>
+                      </a:endParaRPr>
+                    </a:p>
+                  </a:txBody>
+                  <a:tcPr marL="9525" marR="9525" marT="9525" marB="9525" anchor="ctr"/>
+                </a:tc>
+                <a:tc>
+                  <a:txBody>
+                    <a:bodyPr/>
+                    <a:lstStyle/>
+                    <a:p>
+                      <a:pPr>
+                        <a:lnSpc>
+                          <a:spcPct val="115000"/>
+                        </a:lnSpc>
+                        <a:spcAft>
+                          <a:spcPts val="1000"/>
+                        </a:spcAft>
+                        <a:buNone/>
+                      </a:pPr>
+                      <a:r>
+                        <a:rPr lang="en-IN" sz="1100">
+                          <a:effectLst/>
+                        </a:rPr>
+                        <a:t>Pay for your VM + ADF pipeline runtime</a:t>
+                      </a:r>
+                      <a:endParaRPr lang="en-IN" sz="1100">
+                        <a:effectLst/>
+                        <a:latin typeface="Calibri" panose="020F0502020204030204" pitchFamily="34" charset="0"/>
+                        <a:ea typeface="Calibri" panose="020F0502020204030204" pitchFamily="34" charset="0"/>
+                        <a:cs typeface="Times New Roman" panose="02020603050405020304" pitchFamily="18" charset="0"/>
+                      </a:endParaRPr>
+                    </a:p>
+                  </a:txBody>
+                  <a:tcPr marL="9525" marR="9525" marT="9525" marB="9525" anchor="ctr"/>
+                </a:tc>
+                <a:extLst>
+                  <a:ext uri="{0D108BD9-81ED-4DB2-BD59-A6C34878D82A}">
+                    <a16:rowId xmlns:a16="http://schemas.microsoft.com/office/drawing/2014/main" val="351474185"/>
+                  </a:ext>
+                </a:extLst>
+              </a:tr>
+              <a:tr h="951099">
+                <a:tc>
+                  <a:txBody>
+                    <a:bodyPr/>
+                    <a:lstStyle/>
+                    <a:p>
+                      <a:pPr>
+                        <a:lnSpc>
+                          <a:spcPct val="115000"/>
+                        </a:lnSpc>
+                        <a:spcAft>
+                          <a:spcPts val="1000"/>
+                        </a:spcAft>
+                        <a:buNone/>
+                      </a:pPr>
+                      <a:r>
+                        <a:rPr lang="en-IN" sz="1100">
+                          <a:effectLst/>
+                        </a:rPr>
+                        <a:t>Best Use Case</a:t>
+                      </a:r>
+                      <a:endParaRPr lang="en-IN" sz="1100">
+                        <a:effectLst/>
+                        <a:latin typeface="Calibri" panose="020F0502020204030204" pitchFamily="34" charset="0"/>
+                        <a:ea typeface="Calibri" panose="020F0502020204030204" pitchFamily="34" charset="0"/>
+                        <a:cs typeface="Times New Roman" panose="02020603050405020304" pitchFamily="18" charset="0"/>
+                      </a:endParaRPr>
+                    </a:p>
+                  </a:txBody>
+                  <a:tcPr marL="9525" marR="9525" marT="9525" marB="9525" anchor="ctr"/>
+                </a:tc>
+                <a:tc>
+                  <a:txBody>
+                    <a:bodyPr/>
+                    <a:lstStyle/>
+                    <a:p>
+                      <a:pPr>
+                        <a:lnSpc>
+                          <a:spcPct val="115000"/>
+                        </a:lnSpc>
+                        <a:spcAft>
+                          <a:spcPts val="1000"/>
+                        </a:spcAft>
+                        <a:buNone/>
+                      </a:pPr>
+                      <a:r>
+                        <a:rPr lang="en-IN" sz="1100">
+                          <a:effectLst/>
+                        </a:rPr>
+                        <a:t>Pure cloud ETL/ELT, big data flows</a:t>
+                      </a:r>
+                      <a:endParaRPr lang="en-IN" sz="1100">
+                        <a:effectLst/>
+                        <a:latin typeface="Calibri" panose="020F0502020204030204" pitchFamily="34" charset="0"/>
+                        <a:ea typeface="Calibri" panose="020F0502020204030204" pitchFamily="34" charset="0"/>
+                        <a:cs typeface="Times New Roman" panose="02020603050405020304" pitchFamily="18" charset="0"/>
+                      </a:endParaRPr>
+                    </a:p>
+                  </a:txBody>
+                  <a:tcPr marL="9525" marR="9525" marT="9525" marB="9525" anchor="ctr"/>
+                </a:tc>
+                <a:tc>
+                  <a:txBody>
+                    <a:bodyPr/>
+                    <a:lstStyle/>
+                    <a:p>
+                      <a:pPr>
+                        <a:lnSpc>
+                          <a:spcPct val="115000"/>
+                        </a:lnSpc>
+                        <a:spcAft>
+                          <a:spcPts val="1000"/>
+                        </a:spcAft>
+                        <a:buNone/>
+                      </a:pPr>
+                      <a:r>
+                        <a:rPr lang="en-IN" sz="1100" dirty="0">
+                          <a:effectLst/>
+                        </a:rPr>
+                        <a:t>Hybrid integration, small/latency-sensitive loads</a:t>
+                      </a:r>
+                      <a:endParaRPr lang="en-IN" sz="1100" dirty="0">
+                        <a:effectLst/>
+                        <a:latin typeface="Calibri" panose="020F0502020204030204" pitchFamily="34" charset="0"/>
+                        <a:ea typeface="Calibri" panose="020F0502020204030204" pitchFamily="34" charset="0"/>
+                        <a:cs typeface="Times New Roman" panose="02020603050405020304" pitchFamily="18" charset="0"/>
+                      </a:endParaRPr>
+                    </a:p>
+                  </a:txBody>
+                  <a:tcPr marL="9525" marR="9525" marT="9525" marB="9525" anchor="ctr"/>
+                </a:tc>
+                <a:extLst>
+                  <a:ext uri="{0D108BD9-81ED-4DB2-BD59-A6C34878D82A}">
+                    <a16:rowId xmlns:a16="http://schemas.microsoft.com/office/drawing/2014/main" val="2376555806"/>
+                  </a:ext>
+                </a:extLst>
+              </a:tr>
+            </a:tbl>
+          </a:graphicData>
+        </a:graphic>
+      </p:graphicFrame>
+    </p:spTree>
+    <p:extLst>
+      <p:ext uri="{BB962C8B-B14F-4D97-AF65-F5344CB8AC3E}">
+        <p14:creationId xmlns:p14="http://schemas.microsoft.com/office/powerpoint/2010/main" val="1537452126"/>
+      </p:ext>
+    </p:extLst>
+  </p:cSld>
+  <p:clrMapOvr>
+    <a:masterClrMapping/>
+  </p:clrMapOvr>
+</p:sld>
+</file>
+
+<file path=ppt/slides/slide8.xml><?xml version="1.0" encoding="utf-8"?>
 <p:sld xmlns:a="http://schemas.openxmlformats.org/drawingml/2006/main" xmlns:r="http://schemas.openxmlformats.org/officeDocument/2006/relationships" xmlns:p="http://schemas.openxmlformats.org/presentationml/2006/main">
   <p:cSld>
     <p:spTree>
@@ -17011,7 +18914,7 @@
 </p:sld>
 </file>
 
-<file path=ppt/slides/slide7.xml><?xml version="1.0" encoding="utf-8"?>
+<file path=ppt/slides/slide9.xml><?xml version="1.0" encoding="utf-8"?>
 <p:sld xmlns:a="http://schemas.openxmlformats.org/drawingml/2006/main" xmlns:r="http://schemas.openxmlformats.org/officeDocument/2006/relationships" xmlns:p="http://schemas.openxmlformats.org/presentationml/2006/main">
   <p:cSld>
     <p:spTree>
@@ -17079,166 +18982,6 @@
           <a:p>
             <a:r>
               <a:t>Datasets reference data within Linked Services</a:t>
-            </a:r>
-          </a:p>
-        </p:txBody>
-      </p:sp>
-    </p:spTree>
-  </p:cSld>
-  <p:clrMapOvr>
-    <a:masterClrMapping/>
-  </p:clrMapOvr>
-</p:sld>
-</file>
-
-<file path=ppt/slides/slide8.xml><?xml version="1.0" encoding="utf-8"?>
-<p:sld xmlns:a="http://schemas.openxmlformats.org/drawingml/2006/main" xmlns:r="http://schemas.openxmlformats.org/officeDocument/2006/relationships" xmlns:p="http://schemas.openxmlformats.org/presentationml/2006/main">
-  <p:cSld>
-    <p:spTree>
-      <p:nvGrpSpPr>
-        <p:cNvPr id="1" name=""/>
-        <p:cNvGrpSpPr/>
-        <p:nvPr/>
-      </p:nvGrpSpPr>
-      <p:grpSpPr>
-        <a:xfrm>
-          <a:off x="0" y="0"/>
-          <a:ext cx="0" cy="0"/>
-          <a:chOff x="0" y="0"/>
-          <a:chExt cx="0" cy="0"/>
-        </a:xfrm>
-      </p:grpSpPr>
-      <p:sp>
-        <p:nvSpPr>
-          <p:cNvPr id="2" name="Title 1"/>
-          <p:cNvSpPr>
-            <a:spLocks noGrp="1"/>
-          </p:cNvSpPr>
-          <p:nvPr>
-            <p:ph type="title"/>
-          </p:nvPr>
-        </p:nvSpPr>
-        <p:spPr/>
-        <p:txBody>
-          <a:bodyPr/>
-          <a:lstStyle/>
-          <a:p>
-            <a:r>
-              <a:t>Copy Activity Basics</a:t>
-            </a:r>
-          </a:p>
-        </p:txBody>
-      </p:sp>
-      <p:sp>
-        <p:nvSpPr>
-          <p:cNvPr id="3" name="Content Placeholder 2"/>
-          <p:cNvSpPr>
-            <a:spLocks noGrp="1"/>
-          </p:cNvSpPr>
-          <p:nvPr>
-            <p:ph idx="1"/>
-          </p:nvPr>
-        </p:nvSpPr>
-        <p:spPr/>
-        <p:txBody>
-          <a:bodyPr/>
-          <a:lstStyle/>
-          <a:p>
-            <a:endParaRPr/>
-          </a:p>
-          <a:p>
-            <a:r>
-              <a:t>Core activity for data movement</a:t>
-            </a:r>
-          </a:p>
-          <a:p>
-            <a:r>
-              <a:t>Supports wide range of sources and sinks</a:t>
-            </a:r>
-          </a:p>
-          <a:p>
-            <a:r>
-              <a:t>Configurable mappings between source and target</a:t>
-            </a:r>
-          </a:p>
-        </p:txBody>
-      </p:sp>
-    </p:spTree>
-  </p:cSld>
-  <p:clrMapOvr>
-    <a:masterClrMapping/>
-  </p:clrMapOvr>
-</p:sld>
-</file>
-
-<file path=ppt/slides/slide9.xml><?xml version="1.0" encoding="utf-8"?>
-<p:sld xmlns:a="http://schemas.openxmlformats.org/drawingml/2006/main" xmlns:r="http://schemas.openxmlformats.org/officeDocument/2006/relationships" xmlns:p="http://schemas.openxmlformats.org/presentationml/2006/main">
-  <p:cSld>
-    <p:spTree>
-      <p:nvGrpSpPr>
-        <p:cNvPr id="1" name=""/>
-        <p:cNvGrpSpPr/>
-        <p:nvPr/>
-      </p:nvGrpSpPr>
-      <p:grpSpPr>
-        <a:xfrm>
-          <a:off x="0" y="0"/>
-          <a:ext cx="0" cy="0"/>
-          <a:chOff x="0" y="0"/>
-          <a:chExt cx="0" cy="0"/>
-        </a:xfrm>
-      </p:grpSpPr>
-      <p:sp>
-        <p:nvSpPr>
-          <p:cNvPr id="2" name="Title 1"/>
-          <p:cNvSpPr>
-            <a:spLocks noGrp="1"/>
-          </p:cNvSpPr>
-          <p:nvPr>
-            <p:ph type="title"/>
-          </p:nvPr>
-        </p:nvSpPr>
-        <p:spPr/>
-        <p:txBody>
-          <a:bodyPr/>
-          <a:lstStyle/>
-          <a:p>
-            <a:r>
-              <a:t>Monitoring in ADF</a:t>
-            </a:r>
-          </a:p>
-        </p:txBody>
-      </p:sp>
-      <p:sp>
-        <p:nvSpPr>
-          <p:cNvPr id="3" name="Content Placeholder 2"/>
-          <p:cNvSpPr>
-            <a:spLocks noGrp="1"/>
-          </p:cNvSpPr>
-          <p:nvPr>
-            <p:ph idx="1"/>
-          </p:nvPr>
-        </p:nvSpPr>
-        <p:spPr/>
-        <p:txBody>
-          <a:bodyPr/>
-          <a:lstStyle/>
-          <a:p>
-            <a:endParaRPr/>
-          </a:p>
-          <a:p>
-            <a:r>
-              <a:t>Monitor Hub provides pipeline run history</a:t>
-            </a:r>
-          </a:p>
-          <a:p>
-            <a:r>
-              <a:t>Success, failure, and duration tracking</a:t>
-            </a:r>
-          </a:p>
-          <a:p>
-            <a:r>
-              <a:t>Detailed activity-level logs</a:t>
             </a:r>
           </a:p>
         </p:txBody>
